--- a/artes/icono.pptx
+++ b/artes/icono.pptx
@@ -104,6 +104,11 @@
       </a:defRPr>
     </a:lvl9pPr>
   </p:defaultTextStyle>
+  <p:extLst>
+    <p:ext uri="{EFAFB233-063F-42B5-8137-9DF3F51BA10A}">
+      <p15:sldGuideLst xmlns:p15="http://schemas.microsoft.com/office/powerpoint/2012/main"/>
+    </p:ext>
+  </p:extLst>
 </p:presentation>
 </file>
 
@@ -2966,17 +2971,69 @@
       </p:grpSpPr>
       <p:sp>
         <p:nvSpPr>
+          <p:cNvPr id="20" name="Lágrima 19"/>
+          <p:cNvSpPr>
+            <a:spLocks noChangeAspect="1"/>
+          </p:cNvSpPr>
+          <p:nvPr/>
+        </p:nvSpPr>
+        <p:spPr>
+          <a:xfrm rot="8100000">
+            <a:off x="6056502" y="1611939"/>
+            <a:ext cx="2340000" cy="2340000"/>
+          </a:xfrm>
+          <a:prstGeom prst="teardrop">
+            <a:avLst/>
+          </a:prstGeom>
+          <a:solidFill>
+            <a:srgbClr val="FFC000"/>
+          </a:solidFill>
+          <a:ln w="241300">
+            <a:solidFill>
+              <a:schemeClr val="tx1"/>
+            </a:solidFill>
+          </a:ln>
+        </p:spPr>
+        <p:style>
+          <a:lnRef idx="2">
+            <a:schemeClr val="accent1">
+              <a:shade val="50000"/>
+            </a:schemeClr>
+          </a:lnRef>
+          <a:fillRef idx="1">
+            <a:schemeClr val="accent1"/>
+          </a:fillRef>
+          <a:effectRef idx="0">
+            <a:schemeClr val="accent1"/>
+          </a:effectRef>
+          <a:fontRef idx="minor">
+            <a:schemeClr val="lt1"/>
+          </a:fontRef>
+        </p:style>
+        <p:txBody>
+          <a:bodyPr rtlCol="0" anchor="ctr"/>
+          <a:lstStyle/>
+          <a:p>
+            <a:pPr algn="ctr"/>
+            <a:endParaRPr lang="es-ES"/>
+          </a:p>
+        </p:txBody>
+      </p:sp>
+      <p:sp>
+        <p:nvSpPr>
           <p:cNvPr id="7" name="Rectángulo redondeado 6"/>
           <p:cNvSpPr/>
           <p:nvPr/>
         </p:nvSpPr>
         <p:spPr>
           <a:xfrm>
-            <a:off x="4248150" y="2716530"/>
-            <a:ext cx="765810" cy="769620"/>
+            <a:off x="1945429" y="2601383"/>
+            <a:ext cx="792000" cy="792000"/>
           </a:xfrm>
           <a:prstGeom prst="roundRect">
-            <a:avLst/>
+            <a:avLst>
+              <a:gd name="adj" fmla="val 13119"/>
+            </a:avLst>
           </a:prstGeom>
           <a:solidFill>
             <a:schemeClr val="tx1"/>
@@ -3020,8 +3077,8 @@
         </p:nvSpPr>
         <p:spPr>
           <a:xfrm>
-            <a:off x="4279175" y="2745105"/>
-            <a:ext cx="696140" cy="704850"/>
+            <a:off x="1977221" y="2637383"/>
+            <a:ext cx="720000" cy="720000"/>
           </a:xfrm>
           <a:prstGeom prst="ellipse">
             <a:avLst/>
@@ -3060,60 +3117,223 @@
           </a:p>
         </p:txBody>
       </p:sp>
+      <p:sp>
+        <p:nvSpPr>
+          <p:cNvPr id="14" name="Lágrima 13"/>
+          <p:cNvSpPr>
+            <a:spLocks noChangeAspect="1"/>
+          </p:cNvSpPr>
+          <p:nvPr/>
+        </p:nvSpPr>
+        <p:spPr>
+          <a:xfrm rot="8100000">
+            <a:off x="4276686" y="2436001"/>
+            <a:ext cx="720000" cy="720000"/>
+          </a:xfrm>
+          <a:prstGeom prst="teardrop">
+            <a:avLst/>
+          </a:prstGeom>
+          <a:solidFill>
+            <a:srgbClr val="FFC000"/>
+          </a:solidFill>
+          <a:ln w="76200">
+            <a:solidFill>
+              <a:schemeClr val="tx1"/>
+            </a:solidFill>
+          </a:ln>
+        </p:spPr>
+        <p:style>
+          <a:lnRef idx="2">
+            <a:schemeClr val="accent1">
+              <a:shade val="50000"/>
+            </a:schemeClr>
+          </a:lnRef>
+          <a:fillRef idx="1">
+            <a:schemeClr val="accent1"/>
+          </a:fillRef>
+          <a:effectRef idx="0">
+            <a:schemeClr val="accent1"/>
+          </a:effectRef>
+          <a:fontRef idx="minor">
+            <a:schemeClr val="lt1"/>
+          </a:fontRef>
+        </p:style>
+        <p:txBody>
+          <a:bodyPr rtlCol="0" anchor="ctr"/>
+          <a:lstStyle/>
+          <a:p>
+            <a:pPr algn="ctr"/>
+            <a:endParaRPr lang="es-ES"/>
+          </a:p>
+        </p:txBody>
+      </p:sp>
+      <p:sp>
+        <p:nvSpPr>
+          <p:cNvPr id="4" name="CuadroTexto 3"/>
+          <p:cNvSpPr txBox="1"/>
+          <p:nvPr/>
+        </p:nvSpPr>
+        <p:spPr>
+          <a:xfrm>
+            <a:off x="1954316" y="2781939"/>
+            <a:ext cx="765810" cy="215444"/>
+          </a:xfrm>
+          <a:prstGeom prst="rect">
+            <a:avLst/>
+          </a:prstGeom>
+          <a:noFill/>
+        </p:spPr>
+        <p:txBody>
+          <a:bodyPr wrap="square" rtlCol="0">
+            <a:spAutoFit/>
+          </a:bodyPr>
+          <a:lstStyle/>
+          <a:p>
+            <a:pPr algn="ctr"/>
+            <a:r>
+              <a:rPr lang="es-ES" sz="800" dirty="0" smtClean="0">
+                <a:latin typeface="Bauhaus Heavy T." pitchFamily="2" charset="0"/>
+              </a:rPr>
+              <a:t>L SYSTEMS</a:t>
+            </a:r>
+            <a:endParaRPr lang="es-ES" sz="800" dirty="0">
+              <a:latin typeface="Bauhaus Heavy T." pitchFamily="2" charset="0"/>
+            </a:endParaRPr>
+          </a:p>
+        </p:txBody>
+      </p:sp>
       <p:pic>
         <p:nvPicPr>
-          <p:cNvPr id="5" name="Imagen 4"/>
+          <p:cNvPr id="11" name="Imagen 10"/>
           <p:cNvPicPr>
             <a:picLocks noChangeAspect="1"/>
           </p:cNvPicPr>
           <p:nvPr/>
         </p:nvPicPr>
-        <p:blipFill rotWithShape="1">
+        <p:blipFill>
           <a:blip r:embed="rId2" cstate="print">
-            <a:biLevel thresh="75000"/>
             <a:extLst>
               <a:ext uri="{28A0092B-C50C-407E-A947-70E740481C1C}">
                 <a14:useLocalDpi xmlns:a14="http://schemas.microsoft.com/office/drawing/2010/main" val="0"/>
               </a:ext>
             </a:extLst>
           </a:blip>
-          <a:srcRect l="65414" t="8382" r="5496" b="32999"/>
-          <a:stretch/>
+          <a:stretch>
+            <a:fillRect/>
+          </a:stretch>
         </p:blipFill>
         <p:spPr>
           <a:xfrm>
-            <a:off x="4415161" y="3064889"/>
-            <a:ext cx="419729" cy="303554"/>
+            <a:off x="2146559" y="2997383"/>
+            <a:ext cx="381324" cy="288000"/>
           </a:xfrm>
           <a:prstGeom prst="rect">
             <a:avLst/>
           </a:prstGeom>
         </p:spPr>
       </p:pic>
+      <p:sp>
+        <p:nvSpPr>
+          <p:cNvPr id="12" name="Rectángulo 11"/>
+          <p:cNvSpPr/>
+          <p:nvPr/>
+        </p:nvSpPr>
+        <p:spPr>
+          <a:xfrm>
+            <a:off x="2133233" y="2656217"/>
+            <a:ext cx="407976" cy="215444"/>
+          </a:xfrm>
+          <a:prstGeom prst="rect">
+            <a:avLst/>
+          </a:prstGeom>
+        </p:spPr>
+        <p:txBody>
+          <a:bodyPr wrap="square">
+            <a:spAutoFit/>
+          </a:bodyPr>
+          <a:lstStyle/>
+          <a:p>
+            <a:r>
+              <a:rPr lang="es-ES" sz="800" dirty="0">
+                <a:latin typeface="Bauhaus Heavy T." pitchFamily="2" charset="0"/>
+              </a:rPr>
+              <a:t>TAXI</a:t>
+            </a:r>
+            <a:endParaRPr lang="es-ES" sz="800" dirty="0"/>
+          </a:p>
+        </p:txBody>
+      </p:sp>
+      <p:sp>
+        <p:nvSpPr>
+          <p:cNvPr id="16" name="CuadroTexto 15"/>
+          <p:cNvSpPr txBox="1"/>
+          <p:nvPr/>
+        </p:nvSpPr>
+        <p:spPr>
+          <a:xfrm>
+            <a:off x="4247581" y="2580557"/>
+            <a:ext cx="765810" cy="215444"/>
+          </a:xfrm>
+          <a:prstGeom prst="rect">
+            <a:avLst/>
+          </a:prstGeom>
+          <a:noFill/>
+        </p:spPr>
+        <p:txBody>
+          <a:bodyPr wrap="square" rtlCol="0">
+            <a:spAutoFit/>
+          </a:bodyPr>
+          <a:lstStyle/>
+          <a:p>
+            <a:pPr algn="ctr"/>
+            <a:r>
+              <a:rPr lang="es-ES" sz="800" dirty="0" smtClean="0">
+                <a:latin typeface="Bauhaus Heavy T." pitchFamily="2" charset="0"/>
+              </a:rPr>
+              <a:t>L</a:t>
+            </a:r>
+            <a:r>
+              <a:rPr lang="es-ES" sz="800" dirty="0" smtClean="0">
+                <a:latin typeface="Arial Black" panose="020B0A04020102020204" pitchFamily="34" charset="0"/>
+              </a:rPr>
+              <a:t>·</a:t>
+            </a:r>
+            <a:r>
+              <a:rPr lang="es-ES" sz="800" dirty="0" smtClean="0">
+                <a:latin typeface="Bauhaus Heavy T." pitchFamily="2" charset="0"/>
+              </a:rPr>
+              <a:t>SYSTEMS</a:t>
+            </a:r>
+            <a:endParaRPr lang="es-ES" sz="800" dirty="0">
+              <a:latin typeface="Bauhaus Heavy T." pitchFamily="2" charset="0"/>
+            </a:endParaRPr>
+          </a:p>
+        </p:txBody>
+      </p:sp>
       <p:pic>
         <p:nvPicPr>
-          <p:cNvPr id="9" name="Imagen 8"/>
+          <p:cNvPr id="17" name="Imagen 16"/>
           <p:cNvPicPr>
             <a:picLocks noChangeAspect="1"/>
           </p:cNvPicPr>
           <p:nvPr/>
         </p:nvPicPr>
-        <p:blipFill rotWithShape="1">
-          <a:blip r:embed="rId3" cstate="print">
-            <a:biLevel thresh="75000"/>
+        <p:blipFill>
+          <a:blip r:embed="rId2" cstate="print">
             <a:extLst>
               <a:ext uri="{28A0092B-C50C-407E-A947-70E740481C1C}">
                 <a14:useLocalDpi xmlns:a14="http://schemas.microsoft.com/office/drawing/2010/main" val="0"/>
               </a:ext>
             </a:extLst>
           </a:blip>
-          <a:srcRect l="-750" t="64257" b="11144"/>
-          <a:stretch/>
+          <a:stretch>
+            <a:fillRect/>
+          </a:stretch>
         </p:blipFill>
         <p:spPr>
           <a:xfrm>
-            <a:off x="4362773" y="2949584"/>
-            <a:ext cx="524504" cy="94256"/>
+            <a:off x="4439824" y="2796001"/>
+            <a:ext cx="381324" cy="288000"/>
           </a:xfrm>
           <a:prstGeom prst="rect">
             <a:avLst/>
@@ -3122,14 +3342,75 @@
       </p:pic>
       <p:sp>
         <p:nvSpPr>
-          <p:cNvPr id="10" name="CuadroTexto 9"/>
+          <p:cNvPr id="18" name="Rectángulo 17"/>
+          <p:cNvSpPr/>
+          <p:nvPr/>
+        </p:nvSpPr>
+        <p:spPr>
+          <a:xfrm>
+            <a:off x="4426498" y="2454835"/>
+            <a:ext cx="407976" cy="215444"/>
+          </a:xfrm>
+          <a:prstGeom prst="rect">
+            <a:avLst/>
+          </a:prstGeom>
+        </p:spPr>
+        <p:txBody>
+          <a:bodyPr wrap="square">
+            <a:spAutoFit/>
+          </a:bodyPr>
+          <a:lstStyle/>
+          <a:p>
+            <a:r>
+              <a:rPr lang="es-ES" sz="800" dirty="0">
+                <a:latin typeface="Bauhaus Heavy T." pitchFamily="2" charset="0"/>
+              </a:rPr>
+              <a:t>TAXI</a:t>
+            </a:r>
+            <a:endParaRPr lang="es-ES" sz="800" dirty="0"/>
+          </a:p>
+        </p:txBody>
+      </p:sp>
+      <p:pic>
+        <p:nvPicPr>
+          <p:cNvPr id="15" name="Imagen 14"/>
+          <p:cNvPicPr>
+            <a:picLocks noChangeAspect="1"/>
+          </p:cNvPicPr>
+          <p:nvPr/>
+        </p:nvPicPr>
+        <p:blipFill>
+          <a:blip r:embed="rId3" cstate="print">
+            <a:extLst>
+              <a:ext uri="{28A0092B-C50C-407E-A947-70E740481C1C}">
+                <a14:useLocalDpi xmlns:a14="http://schemas.microsoft.com/office/drawing/2010/main" val="0"/>
+              </a:ext>
+            </a:extLst>
+          </a:blip>
+          <a:stretch>
+            <a:fillRect/>
+          </a:stretch>
+        </p:blipFill>
+        <p:spPr>
+          <a:xfrm>
+            <a:off x="6647381" y="2889661"/>
+            <a:ext cx="1158242" cy="874778"/>
+          </a:xfrm>
+          <a:prstGeom prst="rect">
+            <a:avLst/>
+          </a:prstGeom>
+        </p:spPr>
+      </p:pic>
+      <p:sp>
+        <p:nvSpPr>
+          <p:cNvPr id="21" name="CuadroTexto 20"/>
           <p:cNvSpPr txBox="1"/>
           <p:nvPr/>
         </p:nvSpPr>
         <p:spPr>
           <a:xfrm>
-            <a:off x="4345140" y="2745105"/>
-            <a:ext cx="559769" cy="261610"/>
+            <a:off x="5931195" y="2286885"/>
+            <a:ext cx="2592000" cy="553998"/>
           </a:xfrm>
           <a:prstGeom prst="rect">
             <a:avLst/>
@@ -3137,20 +3418,65 @@
           <a:noFill/>
         </p:spPr>
         <p:txBody>
-          <a:bodyPr wrap="none" rtlCol="0">
+          <a:bodyPr wrap="square" rtlCol="0">
             <a:spAutoFit/>
           </a:bodyPr>
           <a:lstStyle/>
           <a:p>
-            <a:r>
-              <a:rPr lang="es-EC" sz="1100" dirty="0" smtClean="0">
+            <a:pPr algn="ctr"/>
+            <a:r>
+              <a:rPr lang="es-ES" sz="3000" dirty="0" smtClean="0">
+                <a:latin typeface="Bauhaus Heavy T." pitchFamily="2" charset="0"/>
+              </a:rPr>
+              <a:t>L</a:t>
+            </a:r>
+            <a:r>
+              <a:rPr lang="es-ES" sz="3000" dirty="0" smtClean="0">
                 <a:latin typeface="Arial Black" panose="020B0A04020102020204" pitchFamily="34" charset="0"/>
               </a:rPr>
+              <a:t>·</a:t>
+            </a:r>
+            <a:r>
+              <a:rPr lang="es-ES" sz="3000" dirty="0" smtClean="0">
+                <a:latin typeface="Bauhaus Heavy T." pitchFamily="2" charset="0"/>
+              </a:rPr>
+              <a:t>SYSTEMS</a:t>
+            </a:r>
+            <a:endParaRPr lang="es-ES" sz="3000" dirty="0">
+              <a:latin typeface="Bauhaus Heavy T." pitchFamily="2" charset="0"/>
+            </a:endParaRPr>
+          </a:p>
+        </p:txBody>
+      </p:sp>
+      <p:sp>
+        <p:nvSpPr>
+          <p:cNvPr id="22" name="Rectángulo 21"/>
+          <p:cNvSpPr/>
+          <p:nvPr/>
+        </p:nvSpPr>
+        <p:spPr>
+          <a:xfrm>
+            <a:off x="5930502" y="1847931"/>
+            <a:ext cx="2592000" cy="553998"/>
+          </a:xfrm>
+          <a:prstGeom prst="rect">
+            <a:avLst/>
+          </a:prstGeom>
+        </p:spPr>
+        <p:txBody>
+          <a:bodyPr wrap="square">
+            <a:spAutoFit/>
+          </a:bodyPr>
+          <a:lstStyle/>
+          <a:p>
+            <a:pPr algn="ctr"/>
+            <a:r>
+              <a:rPr lang="es-ES" sz="3000" dirty="0" smtClean="0">
+                <a:latin typeface="Bauhaus Heavy T." pitchFamily="2" charset="0"/>
+              </a:rPr>
               <a:t>TAXI</a:t>
             </a:r>
-            <a:endParaRPr lang="es-EC" sz="1100" dirty="0">
-              <a:latin typeface="Arial Black" panose="020B0A04020102020204" pitchFamily="34" charset="0"/>
-            </a:endParaRPr>
+            <a:endParaRPr lang="es-ES" sz="3000" dirty="0"/>
           </a:p>
         </p:txBody>
       </p:sp>
